--- a/presentations/source/03a-Creating-REST-Clients.pptx
+++ b/presentations/source/03a-Creating-REST-Clients.pptx
@@ -209,7 +209,7 @@
             <a:fld id="{7307762F-A706-E543-A832-3C298AA3103F}" type="datetimeFigureOut">
               <a:rPr lang="en-US" smtClean="0"/>
               <a:pPr/>
-              <a:t>10/12/2012</a:t>
+              <a:t>11/27/13</a:t>
             </a:fld>
             <a:endParaRPr lang="en-US" dirty="0"/>
           </a:p>
@@ -776,7 +776,7 @@
           <a:p>
             <a:fld id="{875CF0EB-321F-0749-B37A-89BBA859503C}" type="datetimeFigureOut">
               <a:rPr lang="en-US" smtClean="0"/>
-              <a:t>10/12/2012</a:t>
+              <a:t>11/27/13</a:t>
             </a:fld>
             <a:endParaRPr lang="en-US"/>
           </a:p>
@@ -980,7 +980,7 @@
           <a:p>
             <a:fld id="{875CF0EB-321F-0749-B37A-89BBA859503C}" type="datetimeFigureOut">
               <a:rPr lang="en-US" smtClean="0"/>
-              <a:t>10/12/2012</a:t>
+              <a:t>11/27/13</a:t>
             </a:fld>
             <a:endParaRPr lang="en-US"/>
           </a:p>
@@ -1174,7 +1174,7 @@
           <a:p>
             <a:fld id="{875CF0EB-321F-0749-B37A-89BBA859503C}" type="datetimeFigureOut">
               <a:rPr lang="en-US" smtClean="0"/>
-              <a:t>10/12/2012</a:t>
+              <a:t>11/27/13</a:t>
             </a:fld>
             <a:endParaRPr lang="en-US"/>
           </a:p>
@@ -1444,7 +1444,7 @@
           <a:p>
             <a:fld id="{875CF0EB-321F-0749-B37A-89BBA859503C}" type="datetimeFigureOut">
               <a:rPr lang="en-US" smtClean="0"/>
-              <a:t>10/12/2012</a:t>
+              <a:t>11/27/13</a:t>
             </a:fld>
             <a:endParaRPr lang="en-US"/>
           </a:p>
@@ -1756,7 +1756,7 @@
           <a:p>
             <a:fld id="{875CF0EB-321F-0749-B37A-89BBA859503C}" type="datetimeFigureOut">
               <a:rPr lang="en-US" smtClean="0"/>
-              <a:t>10/12/2012</a:t>
+              <a:t>11/27/13</a:t>
             </a:fld>
             <a:endParaRPr lang="en-US"/>
           </a:p>
@@ -2202,7 +2202,7 @@
           <a:p>
             <a:fld id="{875CF0EB-321F-0749-B37A-89BBA859503C}" type="datetimeFigureOut">
               <a:rPr lang="en-US" smtClean="0"/>
-              <a:t>10/12/2012</a:t>
+              <a:t>11/27/13</a:t>
             </a:fld>
             <a:endParaRPr lang="en-US"/>
           </a:p>
@@ -2344,7 +2344,7 @@
           <a:p>
             <a:fld id="{875CF0EB-321F-0749-B37A-89BBA859503C}" type="datetimeFigureOut">
               <a:rPr lang="en-US" smtClean="0"/>
-              <a:t>10/12/2012</a:t>
+              <a:t>11/27/13</a:t>
             </a:fld>
             <a:endParaRPr lang="en-US"/>
           </a:p>
@@ -2463,7 +2463,7 @@
           <a:p>
             <a:fld id="{875CF0EB-321F-0749-B37A-89BBA859503C}" type="datetimeFigureOut">
               <a:rPr lang="en-US" smtClean="0"/>
-              <a:t>10/12/2012</a:t>
+              <a:t>11/27/13</a:t>
             </a:fld>
             <a:endParaRPr lang="en-US"/>
           </a:p>
@@ -2764,7 +2764,7 @@
           <a:p>
             <a:fld id="{875CF0EB-321F-0749-B37A-89BBA859503C}" type="datetimeFigureOut">
               <a:rPr lang="en-US" smtClean="0"/>
-              <a:t>10/12/2012</a:t>
+              <a:t>11/27/13</a:t>
             </a:fld>
             <a:endParaRPr lang="en-US"/>
           </a:p>
@@ -3041,7 +3041,7 @@
           <a:p>
             <a:fld id="{875CF0EB-321F-0749-B37A-89BBA859503C}" type="datetimeFigureOut">
               <a:rPr lang="en-US" smtClean="0"/>
-              <a:t>10/12/2012</a:t>
+              <a:t>11/27/13</a:t>
             </a:fld>
             <a:endParaRPr lang="en-US"/>
           </a:p>
@@ -3883,12 +3883,23 @@
           </a:p>
           <a:p>
             <a:r>
-              <a:rPr lang="en-US" dirty="0">
+              <a:rPr lang="en-US">
                 <a:ea typeface="ヒラギノ角ゴ ProN W3" charset="0"/>
                 <a:cs typeface="ヒラギノ角ゴ ProN W3" charset="0"/>
               </a:rPr>
-              <a:t>Dec 2012</a:t>
-            </a:r>
+              <a:t>Dec </a:t>
+            </a:r>
+            <a:r>
+              <a:rPr lang="en-US" smtClean="0">
+                <a:ea typeface="ヒラギノ角ゴ ProN W3" charset="0"/>
+                <a:cs typeface="ヒラギノ角ゴ ProN W3" charset="0"/>
+              </a:rPr>
+              <a:t>2013</a:t>
+            </a:r>
+            <a:endParaRPr lang="en-US" dirty="0">
+              <a:ea typeface="ヒラギノ角ゴ ProN W3" charset="0"/>
+              <a:cs typeface="ヒラギノ角ゴ ProN W3" charset="0"/>
+            </a:endParaRPr>
           </a:p>
           <a:p>
             <a:endParaRPr lang="en-US" dirty="0"/>
@@ -4617,91 +4628,118 @@
               <a:buNone/>
             </a:pPr>
             <a:r>
-              <a:rPr lang="en-US" sz="2400" dirty="0">
+              <a:rPr lang="en-US" sz="2000" dirty="0" err="1" smtClean="0">
+                <a:latin typeface="Lucida Console"/>
+                <a:cs typeface="Lucida Console"/>
+              </a:rPr>
+              <a:t>WebClient</a:t>
+            </a:r>
+            <a:r>
+              <a:rPr lang="en-US" sz="2000" dirty="0" smtClean="0">
+                <a:latin typeface="Lucida Console"/>
+                <a:cs typeface="Lucida Console"/>
+              </a:rPr>
+              <a:t> </a:t>
+            </a:r>
+            <a:r>
+              <a:rPr lang="en-US" sz="2000" dirty="0">
+                <a:latin typeface="Lucida Console"/>
+                <a:cs typeface="Lucida Console"/>
+              </a:rPr>
+              <a:t>client = </a:t>
+            </a:r>
+            <a:r>
+              <a:rPr lang="en-US" sz="2000" dirty="0" err="1">
+                <a:latin typeface="Lucida Console"/>
+                <a:cs typeface="Lucida Console"/>
+              </a:rPr>
+              <a:t>WebClient.create</a:t>
+            </a:r>
+            <a:r>
+              <a:rPr lang="en-US" sz="2000" dirty="0" smtClean="0">
+                <a:latin typeface="Lucida Console"/>
+                <a:cs typeface="Lucida Console"/>
+              </a:rPr>
+              <a:t>(</a:t>
+            </a:r>
+            <a:r>
+              <a:rPr lang="en-US" sz="2000" i="1" dirty="0" err="1" smtClean="0">
+                <a:latin typeface="Lucida Console"/>
+                <a:cs typeface="Lucida Console"/>
+              </a:rPr>
+              <a:t>url</a:t>
+            </a:r>
+            <a:r>
+              <a:rPr lang="en-US" sz="2000" i="1" dirty="0" smtClean="0">
+                <a:latin typeface="Lucida Console"/>
+                <a:cs typeface="Lucida Console"/>
+              </a:rPr>
+              <a:t>);</a:t>
+            </a:r>
+            <a:r>
+              <a:rPr lang="en-US" sz="2000" dirty="0">
                 <a:latin typeface="Lucida Console"/>
                 <a:cs typeface="Lucida Console"/>
               </a:rPr>
               <a:t>	</a:t>
             </a:r>
             <a:r>
-              <a:rPr lang="en-US" sz="2400" dirty="0" err="1">
-                <a:latin typeface="Lucida Console"/>
-                <a:cs typeface="Lucida Console"/>
-              </a:rPr>
-              <a:t>WebClient</a:t>
-            </a:r>
-            <a:r>
-              <a:rPr lang="en-US" sz="2400" dirty="0">
-                <a:latin typeface="Lucida Console"/>
-                <a:cs typeface="Lucida Console"/>
-              </a:rPr>
-              <a:t> client = </a:t>
-            </a:r>
-            <a:r>
-              <a:rPr lang="en-US" sz="2400" dirty="0" err="1">
-                <a:latin typeface="Lucida Console"/>
-                <a:cs typeface="Lucida Console"/>
-              </a:rPr>
-              <a:t>WebClient.create</a:t>
-            </a:r>
-            <a:r>
-              <a:rPr lang="en-US" sz="2400" dirty="0" smtClean="0">
+              <a:rPr lang="en-US" sz="2000" dirty="0" smtClean="0">
+                <a:latin typeface="Lucida Console"/>
+                <a:cs typeface="Lucida Console"/>
+              </a:rPr>
+              <a:t/>
+            </a:r>
+            <a:br>
+              <a:rPr lang="en-US" sz="2000" dirty="0" smtClean="0">
+                <a:latin typeface="Lucida Console"/>
+                <a:cs typeface="Lucida Console"/>
+              </a:rPr>
+            </a:br>
+            <a:r>
+              <a:rPr lang="en-US" sz="2000" dirty="0" smtClean="0">
+                <a:latin typeface="Lucida Console"/>
+                <a:cs typeface="Lucida Console"/>
+              </a:rPr>
+              <a:t>Response </a:t>
+            </a:r>
+            <a:r>
+              <a:rPr lang="en-US" sz="2000" dirty="0">
+                <a:latin typeface="Lucida Console"/>
+                <a:cs typeface="Lucida Console"/>
+              </a:rPr>
+              <a:t>r = </a:t>
+            </a:r>
+            <a:r>
+              <a:rPr lang="en-US" sz="2000" dirty="0" err="1">
+                <a:latin typeface="Lucida Console"/>
+                <a:cs typeface="Lucida Console"/>
+              </a:rPr>
+              <a:t>client.accept</a:t>
+            </a:r>
+            <a:r>
+              <a:rPr lang="en-US" sz="2000" dirty="0">
                 <a:latin typeface="Lucida Console"/>
                 <a:cs typeface="Lucida Console"/>
               </a:rPr>
               <a:t>(</a:t>
             </a:r>
             <a:r>
-              <a:rPr lang="en-US" sz="2400" i="1" dirty="0" err="1" smtClean="0">
-                <a:latin typeface="Lucida Console"/>
-                <a:cs typeface="Lucida Console"/>
-              </a:rPr>
-              <a:t>url</a:t>
-            </a:r>
-            <a:r>
-              <a:rPr lang="en-US" sz="2400" i="1" dirty="0" smtClean="0">
-                <a:latin typeface="Lucida Console"/>
-                <a:cs typeface="Lucida Console"/>
-              </a:rPr>
-              <a:t>);</a:t>
-            </a:r>
-            <a:r>
-              <a:rPr lang="en-US" sz="2400" dirty="0">
-                <a:latin typeface="Lucida Console"/>
-                <a:cs typeface="Lucida Console"/>
-              </a:rPr>
-              <a:t>		Response r = </a:t>
-            </a:r>
-            <a:r>
-              <a:rPr lang="en-US" sz="2400" dirty="0" err="1">
-                <a:latin typeface="Lucida Console"/>
-                <a:cs typeface="Lucida Console"/>
-              </a:rPr>
-              <a:t>client.accept</a:t>
-            </a:r>
-            <a:r>
-              <a:rPr lang="en-US" sz="2400" dirty="0">
-                <a:latin typeface="Lucida Console"/>
-                <a:cs typeface="Lucida Console"/>
-              </a:rPr>
-              <a:t>(</a:t>
-            </a:r>
-            <a:r>
-              <a:rPr lang="en-US" sz="2400" dirty="0" err="1">
+              <a:rPr lang="en-US" sz="2000" dirty="0" err="1">
                 <a:latin typeface="Lucida Console"/>
                 <a:cs typeface="Lucida Console"/>
               </a:rPr>
               <a:t>MediaType.</a:t>
             </a:r>
             <a:r>
-              <a:rPr lang="en-US" sz="2400" i="1" dirty="0" err="1">
+              <a:rPr lang="en-US" sz="2000" i="1" dirty="0" err="1">
                 <a:latin typeface="Lucida Console"/>
                 <a:cs typeface="Lucida Console"/>
               </a:rPr>
               <a:t>APPLICATION_JSON</a:t>
             </a:r>
             <a:r>
-              <a:rPr lang="en-US" sz="2400" i="1" dirty="0">
+              <a:rPr lang="en-US" sz="2000" i="1" dirty="0">
                 <a:latin typeface="Lucida Console"/>
                 <a:cs typeface="Lucida Console"/>
               </a:rPr>
@@ -4713,41 +4751,41 @@
               <a:buNone/>
             </a:pPr>
             <a:r>
-              <a:rPr lang="en-US" sz="2400" dirty="0" err="1" smtClean="0">
+              <a:rPr lang="en-US" sz="2000" dirty="0" err="1" smtClean="0">
                 <a:latin typeface="Lucida Console"/>
                 <a:cs typeface="Lucida Console"/>
               </a:rPr>
               <a:t>int</a:t>
             </a:r>
             <a:r>
-              <a:rPr lang="en-US" sz="2400" dirty="0" smtClean="0">
+              <a:rPr lang="en-US" sz="2000" dirty="0" smtClean="0">
                 <a:latin typeface="Lucida Console"/>
                 <a:cs typeface="Lucida Console"/>
               </a:rPr>
               <a:t> status = </a:t>
             </a:r>
             <a:r>
-              <a:rPr lang="en-US" sz="2400" dirty="0" err="1" smtClean="0">
+              <a:rPr lang="en-US" sz="2000" dirty="0" err="1" smtClean="0">
                 <a:latin typeface="Lucida Console"/>
                 <a:cs typeface="Lucida Console"/>
               </a:rPr>
               <a:t>r.getStatus</a:t>
             </a:r>
             <a:r>
-              <a:rPr lang="en-US" sz="2400" dirty="0" smtClean="0">
+              <a:rPr lang="en-US" sz="2000" dirty="0" smtClean="0">
                 <a:latin typeface="Lucida Console"/>
                 <a:cs typeface="Lucida Console"/>
               </a:rPr>
               <a:t>();</a:t>
             </a:r>
             <a:r>
-              <a:rPr lang="en-US" sz="2400" dirty="0">
+              <a:rPr lang="en-US" sz="2000" dirty="0">
                 <a:latin typeface="Lucida Console"/>
                 <a:cs typeface="Lucida Console"/>
               </a:rPr>
               <a:t>	</a:t>
             </a:r>
-            <a:endParaRPr lang="en-US" sz="2400" dirty="0" smtClean="0">
+            <a:endParaRPr lang="en-US" sz="2000" dirty="0" smtClean="0">
               <a:latin typeface="Lucida Console"/>
               <a:cs typeface="Lucida Console"/>
             </a:endParaRPr>
@@ -4757,83 +4795,83 @@
               <a:buNone/>
             </a:pPr>
             <a:r>
-              <a:rPr lang="en-US" sz="2400" dirty="0" smtClean="0">
+              <a:rPr lang="en-US" sz="2000" dirty="0" smtClean="0">
                 <a:latin typeface="Lucida Console"/>
                 <a:cs typeface="Lucida Console"/>
               </a:rPr>
               <a:t>String </a:t>
             </a:r>
             <a:r>
-              <a:rPr lang="en-US" sz="2400" dirty="0" err="1">
+              <a:rPr lang="en-US" sz="2000" dirty="0" err="1">
                 <a:latin typeface="Lucida Console"/>
                 <a:cs typeface="Lucida Console"/>
               </a:rPr>
               <a:t>jsonString</a:t>
             </a:r>
             <a:r>
-              <a:rPr lang="en-US" sz="2400" dirty="0">
+              <a:rPr lang="en-US" sz="2000" dirty="0">
                 <a:latin typeface="Lucida Console"/>
                 <a:cs typeface="Lucida Console"/>
               </a:rPr>
               <a:t> = </a:t>
             </a:r>
             <a:r>
-              <a:rPr lang="en-US" sz="2400" dirty="0" err="1">
+              <a:rPr lang="en-US" sz="2000" dirty="0" err="1">
                 <a:latin typeface="Lucida Console"/>
                 <a:cs typeface="Lucida Console"/>
               </a:rPr>
               <a:t>IOUtils.</a:t>
             </a:r>
             <a:r>
-              <a:rPr lang="en-US" sz="2400" i="1" dirty="0" err="1">
+              <a:rPr lang="en-US" sz="2000" i="1" dirty="0" err="1">
                 <a:latin typeface="Lucida Console"/>
                 <a:cs typeface="Lucida Console"/>
               </a:rPr>
               <a:t>toString</a:t>
             </a:r>
             <a:r>
-              <a:rPr lang="en-US" sz="2400" i="1" dirty="0">
+              <a:rPr lang="en-US" sz="2000" i="1" dirty="0">
                 <a:latin typeface="Lucida Console"/>
                 <a:cs typeface="Lucida Console"/>
               </a:rPr>
               <a:t>((</a:t>
             </a:r>
             <a:r>
-              <a:rPr lang="en-US" sz="2400" i="1" dirty="0" err="1">
+              <a:rPr lang="en-US" sz="2000" i="1" dirty="0" err="1">
                 <a:latin typeface="Lucida Console"/>
                 <a:cs typeface="Lucida Console"/>
               </a:rPr>
               <a:t>InputStream</a:t>
             </a:r>
             <a:r>
-              <a:rPr lang="en-US" sz="2400" i="1" dirty="0">
+              <a:rPr lang="en-US" sz="2000" i="1" dirty="0">
                 <a:latin typeface="Lucida Console"/>
                 <a:cs typeface="Lucida Console"/>
               </a:rPr>
               <a:t>) </a:t>
             </a:r>
             <a:r>
-              <a:rPr lang="en-US" sz="2400" i="1" dirty="0" err="1">
+              <a:rPr lang="en-US" sz="2000" i="1" dirty="0" err="1">
                 <a:latin typeface="Lucida Console"/>
                 <a:cs typeface="Lucida Console"/>
               </a:rPr>
               <a:t>r.getEntity</a:t>
             </a:r>
             <a:r>
-              <a:rPr lang="en-US" sz="2400" i="1" dirty="0">
+              <a:rPr lang="en-US" sz="2000" i="1" dirty="0">
                 <a:latin typeface="Lucida Console"/>
                 <a:cs typeface="Lucida Console"/>
               </a:rPr>
               <a:t>())</a:t>
             </a:r>
             <a:r>
-              <a:rPr lang="en-US" sz="2400" i="1" dirty="0" smtClean="0">
+              <a:rPr lang="en-US" sz="2000" i="1" dirty="0" smtClean="0">
                 <a:latin typeface="Lucida Console"/>
                 <a:cs typeface="Lucida Console"/>
               </a:rPr>
               <a:t>;</a:t>
             </a:r>
-            <a:endParaRPr lang="en-US" sz="2400" i="1" dirty="0">
+            <a:endParaRPr lang="en-US" sz="2000" i="1" dirty="0">
               <a:latin typeface="Lucida Console"/>
               <a:cs typeface="Lucida Console"/>
             </a:endParaRPr>
@@ -5858,13 +5896,20 @@
           <a:p>
             <a:r>
               <a:rPr lang="en-US" dirty="0" smtClean="0"/>
-              <a:t>Not yet released </a:t>
+              <a:t>Includes support for clients</a:t>
             </a:r>
           </a:p>
           <a:p>
             <a:r>
               <a:rPr lang="en-US" dirty="0" smtClean="0"/>
-              <a:t>Due Jan/Feb 2013</a:t>
+              <a:t>Will be available in CXF 3.0.0</a:t>
+            </a:r>
+          </a:p>
+          <a:p>
+            <a:pPr lvl="1"/>
+            <a:r>
+              <a:rPr lang="en-US" dirty="0" smtClean="0"/>
+              <a:t>Currently on 2.7.7</a:t>
             </a:r>
             <a:endParaRPr lang="en-US" dirty="0"/>
           </a:p>
@@ -5917,7 +5962,7 @@
           <a:p>
             <a:r>
               <a:rPr lang="en-US" dirty="0" smtClean="0"/>
-              <a:t>JAX-RS 2.0 Requested Features</a:t>
+              <a:t>JAX-RS 2.0 Features</a:t>
             </a:r>
             <a:endParaRPr lang="en-US" dirty="0"/>
           </a:p>

--- a/presentations/source/03a-Creating-REST-Clients.pptx
+++ b/presentations/source/03a-Creating-REST-Clients.pptx
@@ -209,7 +209,7 @@
             <a:fld id="{7307762F-A706-E543-A832-3C298AA3103F}" type="datetimeFigureOut">
               <a:rPr lang="en-US" smtClean="0"/>
               <a:pPr/>
-              <a:t>11/27/13</a:t>
+              <a:t>11/21/14</a:t>
             </a:fld>
             <a:endParaRPr lang="en-US" dirty="0"/>
           </a:p>
@@ -776,7 +776,7 @@
           <a:p>
             <a:fld id="{875CF0EB-321F-0749-B37A-89BBA859503C}" type="datetimeFigureOut">
               <a:rPr lang="en-US" smtClean="0"/>
-              <a:t>11/27/13</a:t>
+              <a:t>11/21/14</a:t>
             </a:fld>
             <a:endParaRPr lang="en-US"/>
           </a:p>
@@ -980,7 +980,7 @@
           <a:p>
             <a:fld id="{875CF0EB-321F-0749-B37A-89BBA859503C}" type="datetimeFigureOut">
               <a:rPr lang="en-US" smtClean="0"/>
-              <a:t>11/27/13</a:t>
+              <a:t>11/21/14</a:t>
             </a:fld>
             <a:endParaRPr lang="en-US"/>
           </a:p>
@@ -1174,7 +1174,7 @@
           <a:p>
             <a:fld id="{875CF0EB-321F-0749-B37A-89BBA859503C}" type="datetimeFigureOut">
               <a:rPr lang="en-US" smtClean="0"/>
-              <a:t>11/27/13</a:t>
+              <a:t>11/21/14</a:t>
             </a:fld>
             <a:endParaRPr lang="en-US"/>
           </a:p>
@@ -1444,7 +1444,7 @@
           <a:p>
             <a:fld id="{875CF0EB-321F-0749-B37A-89BBA859503C}" type="datetimeFigureOut">
               <a:rPr lang="en-US" smtClean="0"/>
-              <a:t>11/27/13</a:t>
+              <a:t>11/21/14</a:t>
             </a:fld>
             <a:endParaRPr lang="en-US"/>
           </a:p>
@@ -1756,7 +1756,7 @@
           <a:p>
             <a:fld id="{875CF0EB-321F-0749-B37A-89BBA859503C}" type="datetimeFigureOut">
               <a:rPr lang="en-US" smtClean="0"/>
-              <a:t>11/27/13</a:t>
+              <a:t>11/21/14</a:t>
             </a:fld>
             <a:endParaRPr lang="en-US"/>
           </a:p>
@@ -2202,7 +2202,7 @@
           <a:p>
             <a:fld id="{875CF0EB-321F-0749-B37A-89BBA859503C}" type="datetimeFigureOut">
               <a:rPr lang="en-US" smtClean="0"/>
-              <a:t>11/27/13</a:t>
+              <a:t>11/21/14</a:t>
             </a:fld>
             <a:endParaRPr lang="en-US"/>
           </a:p>
@@ -2344,7 +2344,7 @@
           <a:p>
             <a:fld id="{875CF0EB-321F-0749-B37A-89BBA859503C}" type="datetimeFigureOut">
               <a:rPr lang="en-US" smtClean="0"/>
-              <a:t>11/27/13</a:t>
+              <a:t>11/21/14</a:t>
             </a:fld>
             <a:endParaRPr lang="en-US"/>
           </a:p>
@@ -2463,7 +2463,7 @@
           <a:p>
             <a:fld id="{875CF0EB-321F-0749-B37A-89BBA859503C}" type="datetimeFigureOut">
               <a:rPr lang="en-US" smtClean="0"/>
-              <a:t>11/27/13</a:t>
+              <a:t>11/21/14</a:t>
             </a:fld>
             <a:endParaRPr lang="en-US"/>
           </a:p>
@@ -2764,7 +2764,7 @@
           <a:p>
             <a:fld id="{875CF0EB-321F-0749-B37A-89BBA859503C}" type="datetimeFigureOut">
               <a:rPr lang="en-US" smtClean="0"/>
-              <a:t>11/27/13</a:t>
+              <a:t>11/21/14</a:t>
             </a:fld>
             <a:endParaRPr lang="en-US"/>
           </a:p>
@@ -3041,7 +3041,7 @@
           <a:p>
             <a:fld id="{875CF0EB-321F-0749-B37A-89BBA859503C}" type="datetimeFigureOut">
               <a:rPr lang="en-US" smtClean="0"/>
-              <a:t>11/27/13</a:t>
+              <a:t>11/21/14</a:t>
             </a:fld>
             <a:endParaRPr lang="en-US"/>
           </a:p>
@@ -3883,18 +3883,18 @@
           </a:p>
           <a:p>
             <a:r>
-              <a:rPr lang="en-US">
+              <a:rPr lang="en-US" dirty="0">
                 <a:ea typeface="ヒラギノ角ゴ ProN W3" charset="0"/>
                 <a:cs typeface="ヒラギノ角ゴ ProN W3" charset="0"/>
               </a:rPr>
               <a:t>Dec </a:t>
             </a:r>
             <a:r>
-              <a:rPr lang="en-US" smtClean="0">
+              <a:rPr lang="en-US" dirty="0" smtClean="0">
                 <a:ea typeface="ヒラギノ角ゴ ProN W3" charset="0"/>
                 <a:cs typeface="ヒラギノ角ゴ ProN W3" charset="0"/>
               </a:rPr>
-              <a:t>2013</a:t>
+              <a:t>2014</a:t>
             </a:r>
             <a:endParaRPr lang="en-US" dirty="0">
               <a:ea typeface="ヒラギノ角ゴ ProN W3" charset="0"/>
@@ -5902,16 +5902,9 @@
           <a:p>
             <a:r>
               <a:rPr lang="en-US" dirty="0" smtClean="0"/>
-              <a:t>Will be available in CXF 3.0.0</a:t>
-            </a:r>
-          </a:p>
-          <a:p>
-            <a:pPr lvl="1"/>
-            <a:r>
-              <a:rPr lang="en-US" dirty="0" smtClean="0"/>
-              <a:t>Currently on 2.7.7</a:t>
-            </a:r>
-            <a:endParaRPr lang="en-US" dirty="0"/>
+              <a:t>Available since CXF 3.0.0</a:t>
+            </a:r>
+            <a:endParaRPr lang="en-US" dirty="0" smtClean="0"/>
           </a:p>
         </p:txBody>
       </p:sp>

--- a/presentations/source/03a-Creating-REST-Clients.pptx
+++ b/presentations/source/03a-Creating-REST-Clients.pptx
@@ -5,7 +5,7 @@
     <p:sldMasterId id="2147483648" r:id="rId1"/>
   </p:sldMasterIdLst>
   <p:notesMasterIdLst>
-    <p:notesMasterId r:id="rId15"/>
+    <p:notesMasterId r:id="rId17"/>
   </p:notesMasterIdLst>
   <p:sldIdLst>
     <p:sldId id="256" r:id="rId2"/>
@@ -18,9 +18,11 @@
     <p:sldId id="263" r:id="rId9"/>
     <p:sldId id="264" r:id="rId10"/>
     <p:sldId id="265" r:id="rId11"/>
-    <p:sldId id="266" r:id="rId12"/>
-    <p:sldId id="267" r:id="rId13"/>
-    <p:sldId id="268" r:id="rId14"/>
+    <p:sldId id="269" r:id="rId12"/>
+    <p:sldId id="266" r:id="rId13"/>
+    <p:sldId id="270" r:id="rId14"/>
+    <p:sldId id="267" r:id="rId15"/>
+    <p:sldId id="268" r:id="rId16"/>
   </p:sldIdLst>
   <p:sldSz cx="9144000" cy="6858000" type="screen4x3"/>
   <p:notesSz cx="6858000" cy="9144000"/>
@@ -209,7 +211,7 @@
             <a:fld id="{7307762F-A706-E543-A832-3C298AA3103F}" type="datetimeFigureOut">
               <a:rPr lang="en-US" smtClean="0"/>
               <a:pPr/>
-              <a:t>11/21/14</a:t>
+              <a:t>11/22/14</a:t>
             </a:fld>
             <a:endParaRPr lang="en-US" dirty="0"/>
           </a:p>
@@ -776,7 +778,7 @@
           <a:p>
             <a:fld id="{875CF0EB-321F-0749-B37A-89BBA859503C}" type="datetimeFigureOut">
               <a:rPr lang="en-US" smtClean="0"/>
-              <a:t>11/21/14</a:t>
+              <a:t>11/22/14</a:t>
             </a:fld>
             <a:endParaRPr lang="en-US"/>
           </a:p>
@@ -980,7 +982,7 @@
           <a:p>
             <a:fld id="{875CF0EB-321F-0749-B37A-89BBA859503C}" type="datetimeFigureOut">
               <a:rPr lang="en-US" smtClean="0"/>
-              <a:t>11/21/14</a:t>
+              <a:t>11/22/14</a:t>
             </a:fld>
             <a:endParaRPr lang="en-US"/>
           </a:p>
@@ -1174,7 +1176,7 @@
           <a:p>
             <a:fld id="{875CF0EB-321F-0749-B37A-89BBA859503C}" type="datetimeFigureOut">
               <a:rPr lang="en-US" smtClean="0"/>
-              <a:t>11/21/14</a:t>
+              <a:t>11/22/14</a:t>
             </a:fld>
             <a:endParaRPr lang="en-US"/>
           </a:p>
@@ -1444,7 +1446,7 @@
           <a:p>
             <a:fld id="{875CF0EB-321F-0749-B37A-89BBA859503C}" type="datetimeFigureOut">
               <a:rPr lang="en-US" smtClean="0"/>
-              <a:t>11/21/14</a:t>
+              <a:t>11/22/14</a:t>
             </a:fld>
             <a:endParaRPr lang="en-US"/>
           </a:p>
@@ -1756,7 +1758,7 @@
           <a:p>
             <a:fld id="{875CF0EB-321F-0749-B37A-89BBA859503C}" type="datetimeFigureOut">
               <a:rPr lang="en-US" smtClean="0"/>
-              <a:t>11/21/14</a:t>
+              <a:t>11/22/14</a:t>
             </a:fld>
             <a:endParaRPr lang="en-US"/>
           </a:p>
@@ -2202,7 +2204,7 @@
           <a:p>
             <a:fld id="{875CF0EB-321F-0749-B37A-89BBA859503C}" type="datetimeFigureOut">
               <a:rPr lang="en-US" smtClean="0"/>
-              <a:t>11/21/14</a:t>
+              <a:t>11/22/14</a:t>
             </a:fld>
             <a:endParaRPr lang="en-US"/>
           </a:p>
@@ -2344,7 +2346,7 @@
           <a:p>
             <a:fld id="{875CF0EB-321F-0749-B37A-89BBA859503C}" type="datetimeFigureOut">
               <a:rPr lang="en-US" smtClean="0"/>
-              <a:t>11/21/14</a:t>
+              <a:t>11/22/14</a:t>
             </a:fld>
             <a:endParaRPr lang="en-US"/>
           </a:p>
@@ -2463,7 +2465,7 @@
           <a:p>
             <a:fld id="{875CF0EB-321F-0749-B37A-89BBA859503C}" type="datetimeFigureOut">
               <a:rPr lang="en-US" smtClean="0"/>
-              <a:t>11/21/14</a:t>
+              <a:t>11/22/14</a:t>
             </a:fld>
             <a:endParaRPr lang="en-US"/>
           </a:p>
@@ -2764,7 +2766,7 @@
           <a:p>
             <a:fld id="{875CF0EB-321F-0749-B37A-89BBA859503C}" type="datetimeFigureOut">
               <a:rPr lang="en-US" smtClean="0"/>
-              <a:t>11/21/14</a:t>
+              <a:t>11/22/14</a:t>
             </a:fld>
             <a:endParaRPr lang="en-US"/>
           </a:p>
@@ -3041,7 +3043,7 @@
           <a:p>
             <a:fld id="{875CF0EB-321F-0749-B37A-89BBA859503C}" type="datetimeFigureOut">
               <a:rPr lang="en-US" smtClean="0"/>
-              <a:t>11/21/14</a:t>
+              <a:t>11/22/14</a:t>
             </a:fld>
             <a:endParaRPr lang="en-US"/>
           </a:p>
@@ -4055,15 +4057,7 @@
           <a:p>
             <a:r>
               <a:rPr lang="en-US" dirty="0" smtClean="0"/>
-              <a:t>Example </a:t>
-            </a:r>
-            <a:r>
-              <a:rPr lang="en-US" dirty="0" err="1" smtClean="0"/>
-              <a:t>HTTPClient</a:t>
-            </a:r>
-            <a:r>
-              <a:rPr lang="en-US" dirty="0" smtClean="0"/>
-              <a:t> code</a:t>
+              <a:t>Example JAX-RS Client Code</a:t>
             </a:r>
             <a:endParaRPr lang="en-US" dirty="0"/>
           </a:p>
@@ -4082,7 +4076,7 @@
         <p:spPr/>
         <p:txBody>
           <a:bodyPr>
-            <a:noAutofit/>
+            <a:normAutofit fontScale="77500" lnSpcReduction="20000"/>
           </a:bodyPr>
           <a:lstStyle/>
           <a:p>
@@ -4090,28 +4084,35 @@
               <a:buNone/>
             </a:pPr>
             <a:r>
-              <a:rPr lang="en-US" sz="1400" dirty="0" err="1">
-                <a:latin typeface="Lucida Console"/>
-                <a:cs typeface="Lucida Console"/>
-              </a:rPr>
-              <a:t>HttpClient</a:t>
-            </a:r>
-            <a:r>
-              <a:rPr lang="en-US" sz="1400" dirty="0">
-                <a:latin typeface="Lucida Console"/>
-                <a:cs typeface="Lucida Console"/>
-              </a:rPr>
-              <a:t> client = new </a:t>
-            </a:r>
-            <a:r>
-              <a:rPr lang="en-US" sz="1400" dirty="0" err="1">
-                <a:latin typeface="Lucida Console"/>
-                <a:cs typeface="Lucida Console"/>
-              </a:rPr>
-              <a:t>DefaultHttpClient</a:t>
-            </a:r>
-            <a:r>
-              <a:rPr lang="en-US" sz="1400" dirty="0">
+              <a:rPr lang="en-US" dirty="0">
+                <a:latin typeface="Lucida Console"/>
+                <a:cs typeface="Lucida Console"/>
+              </a:rPr>
+              <a:t>Client client = </a:t>
+            </a:r>
+            <a:r>
+              <a:rPr lang="en-US" dirty="0" err="1">
+                <a:latin typeface="Lucida Console"/>
+                <a:cs typeface="Lucida Console"/>
+              </a:rPr>
+              <a:t>ClientBuilder.newBuilder</a:t>
+            </a:r>
+            <a:r>
+              <a:rPr lang="en-US" dirty="0">
+                <a:latin typeface="Lucida Console"/>
+                <a:cs typeface="Lucida Console"/>
+              </a:rPr>
+              <a:t>().</a:t>
+            </a:r>
+            <a:r>
+              <a:rPr lang="en-US" dirty="0" err="1">
+                <a:latin typeface="Lucida Console"/>
+                <a:cs typeface="Lucida Console"/>
+              </a:rPr>
+              <a:t>newClient</a:t>
+            </a:r>
+            <a:r>
+              <a:rPr lang="en-US" dirty="0">
                 <a:latin typeface="Lucida Console"/>
                 <a:cs typeface="Lucida Console"/>
               </a:rPr>
@@ -4123,11 +4124,46 @@
               <a:buNone/>
             </a:pPr>
             <a:r>
-              <a:rPr lang="en-US" sz="1400" dirty="0">
-                <a:latin typeface="Lucida Console"/>
-                <a:cs typeface="Lucida Console"/>
-              </a:rPr>
-              <a:t>{</a:t>
+              <a:rPr lang="en-US" dirty="0" err="1">
+                <a:latin typeface="Lucida Console"/>
+                <a:cs typeface="Lucida Console"/>
+              </a:rPr>
+              <a:t>WebTarget</a:t>
+            </a:r>
+            <a:r>
+              <a:rPr lang="en-US" dirty="0">
+                <a:latin typeface="Lucida Console"/>
+                <a:cs typeface="Lucida Console"/>
+              </a:rPr>
+              <a:t> target = </a:t>
+            </a:r>
+            <a:r>
+              <a:rPr lang="en-US" dirty="0" err="1">
+                <a:latin typeface="Lucida Console"/>
+                <a:cs typeface="Lucida Console"/>
+              </a:rPr>
+              <a:t>client.target</a:t>
+            </a:r>
+            <a:r>
+              <a:rPr lang="en-US" dirty="0">
+                <a:latin typeface="Lucida Console"/>
+                <a:cs typeface="Lucida Console"/>
+              </a:rPr>
+              <a:t>("http://localhost:8080/</a:t>
+            </a:r>
+            <a:r>
+              <a:rPr lang="en-US" dirty="0" err="1">
+                <a:latin typeface="Lucida Console"/>
+                <a:cs typeface="Lucida Console"/>
+              </a:rPr>
+              <a:t>rs</a:t>
+            </a:r>
+            <a:r>
+              <a:rPr lang="en-US" dirty="0">
+                <a:latin typeface="Lucida Console"/>
+                <a:cs typeface="Lucida Console"/>
+              </a:rPr>
+              <a:t>");</a:t>
             </a:r>
           </a:p>
           <a:p>
@@ -4135,218 +4171,60 @@
               <a:buNone/>
             </a:pPr>
             <a:r>
-              <a:rPr lang="en-US" sz="1400" dirty="0">
-                <a:latin typeface="Lucida Console"/>
-                <a:cs typeface="Lucida Console"/>
-              </a:rPr>
-              <a:t>	</a:t>
-            </a:r>
-            <a:r>
-              <a:rPr lang="en-US" sz="1400" dirty="0" err="1">
-                <a:latin typeface="Lucida Console"/>
-                <a:cs typeface="Lucida Console"/>
-              </a:rPr>
-              <a:t>HttpGet</a:t>
-            </a:r>
-            <a:r>
-              <a:rPr lang="en-US" sz="1400" dirty="0">
-                <a:latin typeface="Lucida Console"/>
-                <a:cs typeface="Lucida Console"/>
-              </a:rPr>
-              <a:t> request = new </a:t>
-            </a:r>
-            <a:r>
-              <a:rPr lang="en-US" sz="1400" dirty="0" err="1">
-                <a:latin typeface="Lucida Console"/>
-                <a:cs typeface="Lucida Console"/>
-              </a:rPr>
-              <a:t>HttpGet</a:t>
-            </a:r>
-            <a:r>
-              <a:rPr lang="en-US" sz="1400" dirty="0">
-                <a:latin typeface="Lucida Console"/>
-                <a:cs typeface="Lucida Console"/>
-              </a:rPr>
-              <a:t>(</a:t>
-            </a:r>
-            <a:r>
-              <a:rPr lang="en-US" sz="1400" dirty="0" err="1">
-                <a:latin typeface="Lucida Console"/>
-                <a:cs typeface="Lucida Console"/>
-              </a:rPr>
-              <a:t>url</a:t>
-            </a:r>
-            <a:r>
-              <a:rPr lang="en-US" sz="1400" dirty="0">
-                <a:latin typeface="Lucida Console"/>
-                <a:cs typeface="Lucida Console"/>
-              </a:rPr>
-              <a:t>);</a:t>
+              <a:rPr lang="en-US" dirty="0">
+                <a:latin typeface="Lucida Console"/>
+                <a:cs typeface="Lucida Console"/>
+              </a:rPr>
+              <a:t>target = </a:t>
+            </a:r>
+            <a:r>
+              <a:rPr lang="en-US" dirty="0" err="1">
+                <a:latin typeface="Lucida Console"/>
+                <a:cs typeface="Lucida Console"/>
+              </a:rPr>
+              <a:t>target.path</a:t>
+            </a:r>
+            <a:r>
+              <a:rPr lang="en-US" dirty="0">
+                <a:latin typeface="Lucida Console"/>
+                <a:cs typeface="Lucida Console"/>
+              </a:rPr>
+              <a:t>("service").</a:t>
+            </a:r>
+            <a:r>
+              <a:rPr lang="en-US" dirty="0" err="1">
+                <a:latin typeface="Lucida Console"/>
+                <a:cs typeface="Lucida Console"/>
+              </a:rPr>
+              <a:t>queryParam</a:t>
+            </a:r>
+            <a:r>
+              <a:rPr lang="en-US" dirty="0">
+                <a:latin typeface="Lucida Console"/>
+                <a:cs typeface="Lucida Console"/>
+              </a:rPr>
+              <a:t>("a", "</a:t>
+            </a:r>
+            <a:r>
+              <a:rPr lang="en-US" dirty="0" err="1">
+                <a:latin typeface="Lucida Console"/>
+                <a:cs typeface="Lucida Console"/>
+              </a:rPr>
+              <a:t>avalue</a:t>
+            </a:r>
+            <a:r>
+              <a:rPr lang="en-US" dirty="0">
+                <a:latin typeface="Lucida Console"/>
+                <a:cs typeface="Lucida Console"/>
+              </a:rPr>
+              <a:t>");</a:t>
             </a:r>
           </a:p>
           <a:p>
             <a:pPr marL="0" indent="0">
               <a:buNone/>
             </a:pPr>
-            <a:r>
-              <a:rPr lang="en-US" sz="1400" dirty="0">
-                <a:latin typeface="Lucida Console"/>
-                <a:cs typeface="Lucida Console"/>
-              </a:rPr>
-              <a:t>	</a:t>
-            </a:r>
-            <a:r>
-              <a:rPr lang="en-US" sz="1400" dirty="0" err="1">
-                <a:latin typeface="Lucida Console"/>
-                <a:cs typeface="Lucida Console"/>
-              </a:rPr>
-              <a:t>HttpResponse</a:t>
-            </a:r>
-            <a:r>
-              <a:rPr lang="en-US" sz="1400" dirty="0">
-                <a:latin typeface="Lucida Console"/>
-                <a:cs typeface="Lucida Console"/>
-              </a:rPr>
-              <a:t> response = </a:t>
-            </a:r>
-            <a:r>
-              <a:rPr lang="en-US" sz="1400" dirty="0" err="1">
-                <a:latin typeface="Lucida Console"/>
-                <a:cs typeface="Lucida Console"/>
-              </a:rPr>
-              <a:t>client.execute</a:t>
-            </a:r>
-            <a:r>
-              <a:rPr lang="en-US" sz="1400" dirty="0">
-                <a:latin typeface="Lucida Console"/>
-                <a:cs typeface="Lucida Console"/>
-              </a:rPr>
-              <a:t>(request);</a:t>
-            </a:r>
-          </a:p>
-          <a:p>
-            <a:pPr marL="0" indent="0">
-              <a:buNone/>
-            </a:pPr>
-            <a:r>
-              <a:rPr lang="en-US" sz="1400" dirty="0">
-                <a:latin typeface="Lucida Console"/>
-                <a:cs typeface="Lucida Console"/>
-              </a:rPr>
-              <a:t>	</a:t>
-            </a:r>
-            <a:r>
-              <a:rPr lang="en-US" sz="1400" dirty="0" err="1">
-                <a:latin typeface="Lucida Console"/>
-                <a:cs typeface="Lucida Console"/>
-              </a:rPr>
-              <a:t>System.out.println</a:t>
-            </a:r>
-            <a:r>
-              <a:rPr lang="en-US" sz="1400" dirty="0">
-                <a:latin typeface="Lucida Console"/>
-                <a:cs typeface="Lucida Console"/>
-              </a:rPr>
-              <a:t>("Response status:" + </a:t>
-            </a:r>
-            <a:r>
-              <a:rPr lang="en-US" sz="1400" dirty="0" err="1">
-                <a:latin typeface="Lucida Console"/>
-                <a:cs typeface="Lucida Console"/>
-              </a:rPr>
-              <a:t>response.getStatusLine</a:t>
-            </a:r>
-            <a:r>
-              <a:rPr lang="en-US" sz="1400" dirty="0">
-                <a:latin typeface="Lucida Console"/>
-                <a:cs typeface="Lucida Console"/>
-              </a:rPr>
-              <a:t>());</a:t>
-            </a:r>
-          </a:p>
-          <a:p>
-            <a:pPr marL="0" indent="0">
-              <a:buNone/>
-            </a:pPr>
-            <a:r>
-              <a:rPr lang="en-US" sz="1400" dirty="0">
-                <a:latin typeface="Lucida Console"/>
-                <a:cs typeface="Lucida Console"/>
-              </a:rPr>
-              <a:t>	</a:t>
-            </a:r>
-            <a:r>
-              <a:rPr lang="en-US" sz="1400" dirty="0" err="1">
-                <a:latin typeface="Lucida Console"/>
-                <a:cs typeface="Lucida Console"/>
-              </a:rPr>
-              <a:t>System.out.println</a:t>
-            </a:r>
-            <a:r>
-              <a:rPr lang="en-US" sz="1400" dirty="0">
-                <a:latin typeface="Lucida Console"/>
-                <a:cs typeface="Lucida Console"/>
-              </a:rPr>
-              <a:t>("Response data:");</a:t>
-            </a:r>
-          </a:p>
-          <a:p>
-            <a:pPr marL="0" indent="0">
-              <a:buNone/>
-            </a:pPr>
-            <a:r>
-              <a:rPr lang="en-US" sz="1400" dirty="0">
-                <a:latin typeface="Lucida Console"/>
-                <a:cs typeface="Lucida Console"/>
-              </a:rPr>
-              <a:t>	</a:t>
-            </a:r>
-            <a:r>
-              <a:rPr lang="en-US" sz="1400" dirty="0" err="1">
-                <a:latin typeface="Lucida Console"/>
-                <a:cs typeface="Lucida Console"/>
-              </a:rPr>
-              <a:t>HttpEntity</a:t>
-            </a:r>
-            <a:r>
-              <a:rPr lang="en-US" sz="1400" dirty="0">
-                <a:latin typeface="Lucida Console"/>
-                <a:cs typeface="Lucida Console"/>
-              </a:rPr>
-              <a:t> entity = </a:t>
-            </a:r>
-            <a:r>
-              <a:rPr lang="en-US" sz="1400" dirty="0" err="1">
-                <a:latin typeface="Lucida Console"/>
-                <a:cs typeface="Lucida Console"/>
-              </a:rPr>
-              <a:t>response.getEntity</a:t>
-            </a:r>
-            <a:r>
-              <a:rPr lang="en-US" sz="1400" dirty="0">
-                <a:latin typeface="Lucida Console"/>
-                <a:cs typeface="Lucida Console"/>
-              </a:rPr>
-              <a:t>();</a:t>
-            </a:r>
-          </a:p>
-          <a:p>
-            <a:pPr marL="0" indent="0">
-              <a:buNone/>
-            </a:pPr>
-            <a:r>
-              <a:rPr lang="en-US" sz="1400" dirty="0">
-                <a:latin typeface="Lucida Console"/>
-                <a:cs typeface="Lucida Console"/>
-              </a:rPr>
-              <a:t>	if (entity != null) {</a:t>
-            </a:r>
-          </a:p>
-          <a:p>
-            <a:pPr marL="0" indent="0">
-              <a:buNone/>
-            </a:pPr>
-            <a:endParaRPr lang="en-US" sz="1400" dirty="0">
+            <a:endParaRPr lang="en-US" dirty="0">
               <a:latin typeface="Lucida Console"/>
               <a:cs typeface="Lucida Console"/>
             </a:endParaRPr>
@@ -4356,200 +4234,98 @@
               <a:buNone/>
             </a:pPr>
             <a:r>
-              <a:rPr lang="en-US" sz="1400" dirty="0">
-                <a:latin typeface="Lucida Console"/>
-                <a:cs typeface="Lucida Console"/>
-              </a:rPr>
-              <a:t>		</a:t>
-            </a:r>
-            <a:r>
-              <a:rPr lang="en-US" sz="1400" dirty="0" err="1">
-                <a:latin typeface="Lucida Console"/>
-                <a:cs typeface="Lucida Console"/>
-              </a:rPr>
-              <a:t>BufferedReader</a:t>
-            </a:r>
-            <a:r>
-              <a:rPr lang="en-US" sz="1400" dirty="0">
-                <a:latin typeface="Lucida Console"/>
-                <a:cs typeface="Lucida Console"/>
-              </a:rPr>
-              <a:t> </a:t>
-            </a:r>
-            <a:r>
-              <a:rPr lang="en-US" sz="1400" dirty="0" err="1">
-                <a:latin typeface="Lucida Console"/>
-                <a:cs typeface="Lucida Console"/>
-              </a:rPr>
-              <a:t>br</a:t>
-            </a:r>
-            <a:r>
-              <a:rPr lang="en-US" sz="1400" dirty="0">
-                <a:latin typeface="Lucida Console"/>
-                <a:cs typeface="Lucida Console"/>
-              </a:rPr>
-              <a:t> = new </a:t>
-            </a:r>
-            <a:r>
-              <a:rPr lang="en-US" sz="1400" dirty="0" err="1">
-                <a:latin typeface="Lucida Console"/>
-                <a:cs typeface="Lucida Console"/>
-              </a:rPr>
-              <a:t>BufferedReader</a:t>
-            </a:r>
-            <a:r>
-              <a:rPr lang="en-US" sz="1400" dirty="0">
-                <a:latin typeface="Lucida Console"/>
-                <a:cs typeface="Lucida Console"/>
-              </a:rPr>
-              <a:t>(new </a:t>
-            </a:r>
-            <a:r>
-              <a:rPr lang="en-US" sz="1400" dirty="0" smtClean="0">
-                <a:latin typeface="Lucida Console"/>
-                <a:cs typeface="Lucida Console"/>
-              </a:rPr>
-              <a:t>			</a:t>
-            </a:r>
-            <a:r>
-              <a:rPr lang="en-US" sz="1400" dirty="0" err="1" smtClean="0">
-                <a:latin typeface="Lucida Console"/>
-                <a:cs typeface="Lucida Console"/>
-              </a:rPr>
-              <a:t>InputStreamReader</a:t>
-            </a:r>
-            <a:r>
-              <a:rPr lang="en-US" sz="1400" dirty="0">
+              <a:rPr lang="en-US" dirty="0" err="1">
+                <a:latin typeface="Lucida Console"/>
+                <a:cs typeface="Lucida Console"/>
+              </a:rPr>
+              <a:t>Invocation.Builder</a:t>
+            </a:r>
+            <a:r>
+              <a:rPr lang="en-US" dirty="0">
+                <a:latin typeface="Lucida Console"/>
+                <a:cs typeface="Lucida Console"/>
+              </a:rPr>
+              <a:t> builder = </a:t>
+            </a:r>
+            <a:r>
+              <a:rPr lang="en-US" dirty="0" err="1">
+                <a:latin typeface="Lucida Console"/>
+                <a:cs typeface="Lucida Console"/>
+              </a:rPr>
+              <a:t>target.request</a:t>
+            </a:r>
+            <a:r>
+              <a:rPr lang="en-US" dirty="0">
+                <a:latin typeface="Lucida Console"/>
+                <a:cs typeface="Lucida Console"/>
+              </a:rPr>
+              <a:t>();</a:t>
+            </a:r>
+          </a:p>
+          <a:p>
+            <a:pPr marL="0" indent="0">
+              <a:buNone/>
+            </a:pPr>
+            <a:r>
+              <a:rPr lang="en-US" dirty="0">
+                <a:latin typeface="Lucida Console"/>
+                <a:cs typeface="Lucida Console"/>
+              </a:rPr>
+              <a:t>Response response = </a:t>
+            </a:r>
+            <a:r>
+              <a:rPr lang="en-US" dirty="0" err="1">
+                <a:latin typeface="Lucida Console"/>
+                <a:cs typeface="Lucida Console"/>
+              </a:rPr>
+              <a:t>builder.get</a:t>
+            </a:r>
+            <a:r>
+              <a:rPr lang="en-US" dirty="0">
+                <a:latin typeface="Lucida Console"/>
+                <a:cs typeface="Lucida Console"/>
+              </a:rPr>
+              <a:t>();</a:t>
+            </a:r>
+          </a:p>
+          <a:p>
+            <a:pPr marL="0" indent="0">
+              <a:buNone/>
+            </a:pPr>
+            <a:r>
+              <a:rPr lang="en-US" dirty="0">
+                <a:latin typeface="Lucida Console"/>
+                <a:cs typeface="Lucida Console"/>
+              </a:rPr>
+              <a:t>Book book = </a:t>
+            </a:r>
+            <a:r>
+              <a:rPr lang="en-US" dirty="0" err="1">
+                <a:latin typeface="Lucida Console"/>
+                <a:cs typeface="Lucida Console"/>
+              </a:rPr>
+              <a:t>builder.get</a:t>
+            </a:r>
+            <a:r>
+              <a:rPr lang="en-US" dirty="0">
                 <a:latin typeface="Lucida Console"/>
                 <a:cs typeface="Lucida Console"/>
               </a:rPr>
               <a:t>(</a:t>
             </a:r>
-          </a:p>
-          <a:p>
-            <a:pPr marL="0" indent="0">
-              <a:buNone/>
-            </a:pPr>
-            <a:r>
-              <a:rPr lang="en-US" sz="1400" dirty="0">
-                <a:latin typeface="Lucida Console"/>
-                <a:cs typeface="Lucida Console"/>
-              </a:rPr>
-              <a:t>				(</a:t>
-            </a:r>
-            <a:r>
-              <a:rPr lang="en-US" sz="1400" dirty="0" err="1">
-                <a:latin typeface="Lucida Console"/>
-                <a:cs typeface="Lucida Console"/>
-              </a:rPr>
-              <a:t>entity.getContent</a:t>
-            </a:r>
-            <a:r>
-              <a:rPr lang="en-US" sz="1400" dirty="0">
-                <a:latin typeface="Lucida Console"/>
-                <a:cs typeface="Lucida Console"/>
-              </a:rPr>
-              <a:t>())));</a:t>
-            </a:r>
-          </a:p>
-          <a:p>
-            <a:pPr marL="0" indent="0">
-              <a:buNone/>
-            </a:pPr>
-            <a:r>
-              <a:rPr lang="en-US" sz="1400" dirty="0">
-                <a:latin typeface="Lucida Console"/>
-                <a:cs typeface="Lucida Console"/>
-              </a:rPr>
-              <a:t>		String output;</a:t>
-            </a:r>
-          </a:p>
-          <a:p>
-            <a:pPr marL="0" indent="0">
-              <a:buNone/>
-            </a:pPr>
-            <a:r>
-              <a:rPr lang="en-US" sz="1400" dirty="0">
-                <a:latin typeface="Lucida Console"/>
-                <a:cs typeface="Lucida Console"/>
-              </a:rPr>
-              <a:t>		while ((output = </a:t>
-            </a:r>
-            <a:r>
-              <a:rPr lang="en-US" sz="1400" dirty="0" err="1">
-                <a:latin typeface="Lucida Console"/>
-                <a:cs typeface="Lucida Console"/>
-              </a:rPr>
-              <a:t>br.readLine</a:t>
-            </a:r>
-            <a:r>
-              <a:rPr lang="en-US" sz="1400" dirty="0">
-                <a:latin typeface="Lucida Console"/>
-                <a:cs typeface="Lucida Console"/>
-              </a:rPr>
-              <a:t>()) != null) {</a:t>
-            </a:r>
-          </a:p>
-          <a:p>
-            <a:pPr marL="0" indent="0">
-              <a:buNone/>
-            </a:pPr>
-            <a:r>
-              <a:rPr lang="en-US" sz="1400" dirty="0">
-                <a:latin typeface="Lucida Console"/>
-                <a:cs typeface="Lucida Console"/>
-              </a:rPr>
-              <a:t>			</a:t>
-            </a:r>
-            <a:r>
-              <a:rPr lang="en-US" sz="1400" dirty="0" err="1">
-                <a:latin typeface="Lucida Console"/>
-                <a:cs typeface="Lucida Console"/>
-              </a:rPr>
-              <a:t>System.out.println</a:t>
-            </a:r>
-            <a:r>
-              <a:rPr lang="en-US" sz="1400" dirty="0">
-                <a:latin typeface="Lucida Console"/>
-                <a:cs typeface="Lucida Console"/>
-              </a:rPr>
-              <a:t>(output);</a:t>
-            </a:r>
-          </a:p>
-          <a:p>
-            <a:pPr marL="0" indent="0">
-              <a:buNone/>
-            </a:pPr>
-            <a:r>
-              <a:rPr lang="en-US" sz="1400" dirty="0">
-                <a:latin typeface="Lucida Console"/>
-                <a:cs typeface="Lucida Console"/>
-              </a:rPr>
-              <a:t>		}</a:t>
-            </a:r>
-          </a:p>
-          <a:p>
-            <a:pPr marL="0" indent="0">
-              <a:buNone/>
-            </a:pPr>
-            <a:r>
-              <a:rPr lang="en-US" sz="1400" dirty="0">
-                <a:latin typeface="Lucida Console"/>
-                <a:cs typeface="Lucida Console"/>
-              </a:rPr>
-              <a:t>	}</a:t>
-            </a:r>
-          </a:p>
-          <a:p>
-            <a:pPr marL="0" indent="0">
-              <a:buNone/>
-            </a:pPr>
-            <a:r>
-              <a:rPr lang="en-US" sz="1400" dirty="0">
-                <a:latin typeface="Lucida Console"/>
-                <a:cs typeface="Lucida Console"/>
-              </a:rPr>
-              <a:t>}</a:t>
+            <a:r>
+              <a:rPr lang="en-US" dirty="0" err="1">
+                <a:latin typeface="Lucida Console"/>
+                <a:cs typeface="Lucida Console"/>
+              </a:rPr>
+              <a:t>Book.class</a:t>
+            </a:r>
+            <a:r>
+              <a:rPr lang="en-US" dirty="0">
+                <a:latin typeface="Lucida Console"/>
+                <a:cs typeface="Lucida Console"/>
+              </a:rPr>
+              <a:t>);</a:t>
             </a:r>
           </a:p>
         </p:txBody>
@@ -4557,7 +4333,7 @@
     </p:spTree>
     <p:extLst>
       <p:ext uri="{BB962C8B-B14F-4D97-AF65-F5344CB8AC3E}">
-        <p14:creationId xmlns:p14="http://schemas.microsoft.com/office/powerpoint/2010/main" val="4092013141"/>
+        <p14:creationId xmlns:p14="http://schemas.microsoft.com/office/powerpoint/2010/main" val="398969692"/>
       </p:ext>
     </p:extLst>
   </p:cSld>
@@ -4601,6 +4377,935 @@
           <a:p>
             <a:r>
               <a:rPr lang="en-US" dirty="0" smtClean="0"/>
+              <a:t>Example </a:t>
+            </a:r>
+            <a:r>
+              <a:rPr lang="en-US" dirty="0" err="1" smtClean="0"/>
+              <a:t>HTTPClient</a:t>
+            </a:r>
+            <a:r>
+              <a:rPr lang="en-US" dirty="0" smtClean="0"/>
+              <a:t> code</a:t>
+            </a:r>
+            <a:endParaRPr lang="en-US" dirty="0"/>
+          </a:p>
+        </p:txBody>
+      </p:sp>
+      <p:sp>
+        <p:nvSpPr>
+          <p:cNvPr id="3" name="Content Placeholder 2"/>
+          <p:cNvSpPr>
+            <a:spLocks noGrp="1"/>
+          </p:cNvSpPr>
+          <p:nvPr>
+            <p:ph idx="1"/>
+          </p:nvPr>
+        </p:nvSpPr>
+        <p:spPr/>
+        <p:txBody>
+          <a:bodyPr>
+            <a:noAutofit/>
+          </a:bodyPr>
+          <a:lstStyle/>
+          <a:p>
+            <a:pPr marL="0" indent="0">
+              <a:buNone/>
+            </a:pPr>
+            <a:r>
+              <a:rPr lang="en-US" sz="1400" dirty="0" err="1">
+                <a:latin typeface="Lucida Console"/>
+                <a:cs typeface="Lucida Console"/>
+              </a:rPr>
+              <a:t>HttpClient</a:t>
+            </a:r>
+            <a:r>
+              <a:rPr lang="en-US" sz="1400" dirty="0">
+                <a:latin typeface="Lucida Console"/>
+                <a:cs typeface="Lucida Console"/>
+              </a:rPr>
+              <a:t> client = new </a:t>
+            </a:r>
+            <a:r>
+              <a:rPr lang="en-US" sz="1400" dirty="0" err="1">
+                <a:latin typeface="Lucida Console"/>
+                <a:cs typeface="Lucida Console"/>
+              </a:rPr>
+              <a:t>DefaultHttpClient</a:t>
+            </a:r>
+            <a:r>
+              <a:rPr lang="en-US" sz="1400" dirty="0">
+                <a:latin typeface="Lucida Console"/>
+                <a:cs typeface="Lucida Console"/>
+              </a:rPr>
+              <a:t>();</a:t>
+            </a:r>
+          </a:p>
+          <a:p>
+            <a:pPr marL="0" indent="0">
+              <a:buNone/>
+            </a:pPr>
+            <a:r>
+              <a:rPr lang="en-US" sz="1400" dirty="0">
+                <a:latin typeface="Lucida Console"/>
+                <a:cs typeface="Lucida Console"/>
+              </a:rPr>
+              <a:t>{</a:t>
+            </a:r>
+          </a:p>
+          <a:p>
+            <a:pPr marL="0" indent="0">
+              <a:buNone/>
+            </a:pPr>
+            <a:r>
+              <a:rPr lang="en-US" sz="1400" dirty="0">
+                <a:latin typeface="Lucida Console"/>
+                <a:cs typeface="Lucida Console"/>
+              </a:rPr>
+              <a:t>	</a:t>
+            </a:r>
+            <a:r>
+              <a:rPr lang="en-US" sz="1400" dirty="0" err="1">
+                <a:latin typeface="Lucida Console"/>
+                <a:cs typeface="Lucida Console"/>
+              </a:rPr>
+              <a:t>HttpGet</a:t>
+            </a:r>
+            <a:r>
+              <a:rPr lang="en-US" sz="1400" dirty="0">
+                <a:latin typeface="Lucida Console"/>
+                <a:cs typeface="Lucida Console"/>
+              </a:rPr>
+              <a:t> request = new </a:t>
+            </a:r>
+            <a:r>
+              <a:rPr lang="en-US" sz="1400" dirty="0" err="1">
+                <a:latin typeface="Lucida Console"/>
+                <a:cs typeface="Lucida Console"/>
+              </a:rPr>
+              <a:t>HttpGet</a:t>
+            </a:r>
+            <a:r>
+              <a:rPr lang="en-US" sz="1400" dirty="0">
+                <a:latin typeface="Lucida Console"/>
+                <a:cs typeface="Lucida Console"/>
+              </a:rPr>
+              <a:t>(</a:t>
+            </a:r>
+            <a:r>
+              <a:rPr lang="en-US" sz="1400" dirty="0" err="1">
+                <a:latin typeface="Lucida Console"/>
+                <a:cs typeface="Lucida Console"/>
+              </a:rPr>
+              <a:t>url</a:t>
+            </a:r>
+            <a:r>
+              <a:rPr lang="en-US" sz="1400" dirty="0">
+                <a:latin typeface="Lucida Console"/>
+                <a:cs typeface="Lucida Console"/>
+              </a:rPr>
+              <a:t>);</a:t>
+            </a:r>
+          </a:p>
+          <a:p>
+            <a:pPr marL="0" indent="0">
+              <a:buNone/>
+            </a:pPr>
+            <a:r>
+              <a:rPr lang="en-US" sz="1400" dirty="0">
+                <a:latin typeface="Lucida Console"/>
+                <a:cs typeface="Lucida Console"/>
+              </a:rPr>
+              <a:t>	</a:t>
+            </a:r>
+            <a:r>
+              <a:rPr lang="en-US" sz="1400" dirty="0" err="1">
+                <a:latin typeface="Lucida Console"/>
+                <a:cs typeface="Lucida Console"/>
+              </a:rPr>
+              <a:t>HttpResponse</a:t>
+            </a:r>
+            <a:r>
+              <a:rPr lang="en-US" sz="1400" dirty="0">
+                <a:latin typeface="Lucida Console"/>
+                <a:cs typeface="Lucida Console"/>
+              </a:rPr>
+              <a:t> response = </a:t>
+            </a:r>
+            <a:r>
+              <a:rPr lang="en-US" sz="1400" dirty="0" err="1">
+                <a:latin typeface="Lucida Console"/>
+                <a:cs typeface="Lucida Console"/>
+              </a:rPr>
+              <a:t>client.execute</a:t>
+            </a:r>
+            <a:r>
+              <a:rPr lang="en-US" sz="1400" dirty="0">
+                <a:latin typeface="Lucida Console"/>
+                <a:cs typeface="Lucida Console"/>
+              </a:rPr>
+              <a:t>(request);</a:t>
+            </a:r>
+          </a:p>
+          <a:p>
+            <a:pPr marL="0" indent="0">
+              <a:buNone/>
+            </a:pPr>
+            <a:r>
+              <a:rPr lang="en-US" sz="1400" dirty="0">
+                <a:latin typeface="Lucida Console"/>
+                <a:cs typeface="Lucida Console"/>
+              </a:rPr>
+              <a:t>	</a:t>
+            </a:r>
+            <a:r>
+              <a:rPr lang="en-US" sz="1400" dirty="0" err="1">
+                <a:latin typeface="Lucida Console"/>
+                <a:cs typeface="Lucida Console"/>
+              </a:rPr>
+              <a:t>System.out.println</a:t>
+            </a:r>
+            <a:r>
+              <a:rPr lang="en-US" sz="1400" dirty="0">
+                <a:latin typeface="Lucida Console"/>
+                <a:cs typeface="Lucida Console"/>
+              </a:rPr>
+              <a:t>("Response status:" + </a:t>
+            </a:r>
+            <a:r>
+              <a:rPr lang="en-US" sz="1400" dirty="0" err="1">
+                <a:latin typeface="Lucida Console"/>
+                <a:cs typeface="Lucida Console"/>
+              </a:rPr>
+              <a:t>response.getStatusLine</a:t>
+            </a:r>
+            <a:r>
+              <a:rPr lang="en-US" sz="1400" dirty="0">
+                <a:latin typeface="Lucida Console"/>
+                <a:cs typeface="Lucida Console"/>
+              </a:rPr>
+              <a:t>());</a:t>
+            </a:r>
+          </a:p>
+          <a:p>
+            <a:pPr marL="0" indent="0">
+              <a:buNone/>
+            </a:pPr>
+            <a:r>
+              <a:rPr lang="en-US" sz="1400" dirty="0">
+                <a:latin typeface="Lucida Console"/>
+                <a:cs typeface="Lucida Console"/>
+              </a:rPr>
+              <a:t>	</a:t>
+            </a:r>
+            <a:r>
+              <a:rPr lang="en-US" sz="1400" dirty="0" err="1">
+                <a:latin typeface="Lucida Console"/>
+                <a:cs typeface="Lucida Console"/>
+              </a:rPr>
+              <a:t>System.out.println</a:t>
+            </a:r>
+            <a:r>
+              <a:rPr lang="en-US" sz="1400" dirty="0">
+                <a:latin typeface="Lucida Console"/>
+                <a:cs typeface="Lucida Console"/>
+              </a:rPr>
+              <a:t>("Response data:");</a:t>
+            </a:r>
+          </a:p>
+          <a:p>
+            <a:pPr marL="0" indent="0">
+              <a:buNone/>
+            </a:pPr>
+            <a:r>
+              <a:rPr lang="en-US" sz="1400" dirty="0">
+                <a:latin typeface="Lucida Console"/>
+                <a:cs typeface="Lucida Console"/>
+              </a:rPr>
+              <a:t>	</a:t>
+            </a:r>
+            <a:r>
+              <a:rPr lang="en-US" sz="1400" dirty="0" err="1">
+                <a:latin typeface="Lucida Console"/>
+                <a:cs typeface="Lucida Console"/>
+              </a:rPr>
+              <a:t>HttpEntity</a:t>
+            </a:r>
+            <a:r>
+              <a:rPr lang="en-US" sz="1400" dirty="0">
+                <a:latin typeface="Lucida Console"/>
+                <a:cs typeface="Lucida Console"/>
+              </a:rPr>
+              <a:t> entity = </a:t>
+            </a:r>
+            <a:r>
+              <a:rPr lang="en-US" sz="1400" dirty="0" err="1">
+                <a:latin typeface="Lucida Console"/>
+                <a:cs typeface="Lucida Console"/>
+              </a:rPr>
+              <a:t>response.getEntity</a:t>
+            </a:r>
+            <a:r>
+              <a:rPr lang="en-US" sz="1400" dirty="0">
+                <a:latin typeface="Lucida Console"/>
+                <a:cs typeface="Lucida Console"/>
+              </a:rPr>
+              <a:t>();</a:t>
+            </a:r>
+          </a:p>
+          <a:p>
+            <a:pPr marL="0" indent="0">
+              <a:buNone/>
+            </a:pPr>
+            <a:r>
+              <a:rPr lang="en-US" sz="1400" dirty="0">
+                <a:latin typeface="Lucida Console"/>
+                <a:cs typeface="Lucida Console"/>
+              </a:rPr>
+              <a:t>	if (entity != null) {</a:t>
+            </a:r>
+          </a:p>
+          <a:p>
+            <a:pPr marL="0" indent="0">
+              <a:buNone/>
+            </a:pPr>
+            <a:endParaRPr lang="en-US" sz="1400" dirty="0">
+              <a:latin typeface="Lucida Console"/>
+              <a:cs typeface="Lucida Console"/>
+            </a:endParaRPr>
+          </a:p>
+          <a:p>
+            <a:pPr marL="0" indent="0">
+              <a:buNone/>
+            </a:pPr>
+            <a:r>
+              <a:rPr lang="en-US" sz="1400" dirty="0">
+                <a:latin typeface="Lucida Console"/>
+                <a:cs typeface="Lucida Console"/>
+              </a:rPr>
+              <a:t>		</a:t>
+            </a:r>
+            <a:r>
+              <a:rPr lang="en-US" sz="1400" dirty="0" err="1">
+                <a:latin typeface="Lucida Console"/>
+                <a:cs typeface="Lucida Console"/>
+              </a:rPr>
+              <a:t>BufferedReader</a:t>
+            </a:r>
+            <a:r>
+              <a:rPr lang="en-US" sz="1400" dirty="0">
+                <a:latin typeface="Lucida Console"/>
+                <a:cs typeface="Lucida Console"/>
+              </a:rPr>
+              <a:t> </a:t>
+            </a:r>
+            <a:r>
+              <a:rPr lang="en-US" sz="1400" dirty="0" err="1">
+                <a:latin typeface="Lucida Console"/>
+                <a:cs typeface="Lucida Console"/>
+              </a:rPr>
+              <a:t>br</a:t>
+            </a:r>
+            <a:r>
+              <a:rPr lang="en-US" sz="1400" dirty="0">
+                <a:latin typeface="Lucida Console"/>
+                <a:cs typeface="Lucida Console"/>
+              </a:rPr>
+              <a:t> = new </a:t>
+            </a:r>
+            <a:r>
+              <a:rPr lang="en-US" sz="1400" dirty="0" err="1">
+                <a:latin typeface="Lucida Console"/>
+                <a:cs typeface="Lucida Console"/>
+              </a:rPr>
+              <a:t>BufferedReader</a:t>
+            </a:r>
+            <a:r>
+              <a:rPr lang="en-US" sz="1400" dirty="0">
+                <a:latin typeface="Lucida Console"/>
+                <a:cs typeface="Lucida Console"/>
+              </a:rPr>
+              <a:t>(new </a:t>
+            </a:r>
+            <a:r>
+              <a:rPr lang="en-US" sz="1400" dirty="0" smtClean="0">
+                <a:latin typeface="Lucida Console"/>
+                <a:cs typeface="Lucida Console"/>
+              </a:rPr>
+              <a:t>			</a:t>
+            </a:r>
+            <a:r>
+              <a:rPr lang="en-US" sz="1400" dirty="0" err="1" smtClean="0">
+                <a:latin typeface="Lucida Console"/>
+                <a:cs typeface="Lucida Console"/>
+              </a:rPr>
+              <a:t>InputStreamReader</a:t>
+            </a:r>
+            <a:r>
+              <a:rPr lang="en-US" sz="1400" dirty="0">
+                <a:latin typeface="Lucida Console"/>
+                <a:cs typeface="Lucida Console"/>
+              </a:rPr>
+              <a:t>(</a:t>
+            </a:r>
+          </a:p>
+          <a:p>
+            <a:pPr marL="0" indent="0">
+              <a:buNone/>
+            </a:pPr>
+            <a:r>
+              <a:rPr lang="en-US" sz="1400" dirty="0">
+                <a:latin typeface="Lucida Console"/>
+                <a:cs typeface="Lucida Console"/>
+              </a:rPr>
+              <a:t>				(</a:t>
+            </a:r>
+            <a:r>
+              <a:rPr lang="en-US" sz="1400" dirty="0" err="1">
+                <a:latin typeface="Lucida Console"/>
+                <a:cs typeface="Lucida Console"/>
+              </a:rPr>
+              <a:t>entity.getContent</a:t>
+            </a:r>
+            <a:r>
+              <a:rPr lang="en-US" sz="1400" dirty="0">
+                <a:latin typeface="Lucida Console"/>
+                <a:cs typeface="Lucida Console"/>
+              </a:rPr>
+              <a:t>())));</a:t>
+            </a:r>
+          </a:p>
+          <a:p>
+            <a:pPr marL="0" indent="0">
+              <a:buNone/>
+            </a:pPr>
+            <a:r>
+              <a:rPr lang="en-US" sz="1400" dirty="0">
+                <a:latin typeface="Lucida Console"/>
+                <a:cs typeface="Lucida Console"/>
+              </a:rPr>
+              <a:t>		String output;</a:t>
+            </a:r>
+          </a:p>
+          <a:p>
+            <a:pPr marL="0" indent="0">
+              <a:buNone/>
+            </a:pPr>
+            <a:r>
+              <a:rPr lang="en-US" sz="1400" dirty="0">
+                <a:latin typeface="Lucida Console"/>
+                <a:cs typeface="Lucida Console"/>
+              </a:rPr>
+              <a:t>		while ((output = </a:t>
+            </a:r>
+            <a:r>
+              <a:rPr lang="en-US" sz="1400" dirty="0" err="1">
+                <a:latin typeface="Lucida Console"/>
+                <a:cs typeface="Lucida Console"/>
+              </a:rPr>
+              <a:t>br.readLine</a:t>
+            </a:r>
+            <a:r>
+              <a:rPr lang="en-US" sz="1400" dirty="0">
+                <a:latin typeface="Lucida Console"/>
+                <a:cs typeface="Lucida Console"/>
+              </a:rPr>
+              <a:t>()) != null) {</a:t>
+            </a:r>
+          </a:p>
+          <a:p>
+            <a:pPr marL="0" indent="0">
+              <a:buNone/>
+            </a:pPr>
+            <a:r>
+              <a:rPr lang="en-US" sz="1400" dirty="0">
+                <a:latin typeface="Lucida Console"/>
+                <a:cs typeface="Lucida Console"/>
+              </a:rPr>
+              <a:t>			</a:t>
+            </a:r>
+            <a:r>
+              <a:rPr lang="en-US" sz="1400" dirty="0" err="1">
+                <a:latin typeface="Lucida Console"/>
+                <a:cs typeface="Lucida Console"/>
+              </a:rPr>
+              <a:t>System.out.println</a:t>
+            </a:r>
+            <a:r>
+              <a:rPr lang="en-US" sz="1400" dirty="0">
+                <a:latin typeface="Lucida Console"/>
+                <a:cs typeface="Lucida Console"/>
+              </a:rPr>
+              <a:t>(output);</a:t>
+            </a:r>
+          </a:p>
+          <a:p>
+            <a:pPr marL="0" indent="0">
+              <a:buNone/>
+            </a:pPr>
+            <a:r>
+              <a:rPr lang="en-US" sz="1400" dirty="0">
+                <a:latin typeface="Lucida Console"/>
+                <a:cs typeface="Lucida Console"/>
+              </a:rPr>
+              <a:t>		}</a:t>
+            </a:r>
+          </a:p>
+          <a:p>
+            <a:pPr marL="0" indent="0">
+              <a:buNone/>
+            </a:pPr>
+            <a:r>
+              <a:rPr lang="en-US" sz="1400" dirty="0">
+                <a:latin typeface="Lucida Console"/>
+                <a:cs typeface="Lucida Console"/>
+              </a:rPr>
+              <a:t>	}</a:t>
+            </a:r>
+          </a:p>
+          <a:p>
+            <a:pPr marL="0" indent="0">
+              <a:buNone/>
+            </a:pPr>
+            <a:r>
+              <a:rPr lang="en-US" sz="1400" dirty="0">
+                <a:latin typeface="Lucida Console"/>
+                <a:cs typeface="Lucida Console"/>
+              </a:rPr>
+              <a:t>}</a:t>
+            </a:r>
+          </a:p>
+        </p:txBody>
+      </p:sp>
+    </p:spTree>
+    <p:extLst>
+      <p:ext uri="{BB962C8B-B14F-4D97-AF65-F5344CB8AC3E}">
+        <p14:creationId xmlns:p14="http://schemas.microsoft.com/office/powerpoint/2010/main" val="4092013141"/>
+      </p:ext>
+    </p:extLst>
+  </p:cSld>
+  <p:clrMapOvr>
+    <a:masterClrMapping/>
+  </p:clrMapOvr>
+</p:sld>
+</file>
+
+<file path=ppt/slides/slide13.xml><?xml version="1.0" encoding="utf-8"?>
+<p:sld xmlns:a="http://schemas.openxmlformats.org/drawingml/2006/main" xmlns:r="http://schemas.openxmlformats.org/officeDocument/2006/relationships" xmlns:p="http://schemas.openxmlformats.org/presentationml/2006/main">
+  <p:cSld>
+    <p:spTree>
+      <p:nvGrpSpPr>
+        <p:cNvPr id="1" name=""/>
+        <p:cNvGrpSpPr/>
+        <p:nvPr/>
+      </p:nvGrpSpPr>
+      <p:grpSpPr>
+        <a:xfrm>
+          <a:off x="0" y="0"/>
+          <a:ext cx="0" cy="0"/>
+          <a:chOff x="0" y="0"/>
+          <a:chExt cx="0" cy="0"/>
+        </a:xfrm>
+      </p:grpSpPr>
+      <p:sp>
+        <p:nvSpPr>
+          <p:cNvPr id="2" name="Title 1"/>
+          <p:cNvSpPr>
+            <a:spLocks noGrp="1"/>
+          </p:cNvSpPr>
+          <p:nvPr>
+            <p:ph type="title"/>
+          </p:nvPr>
+        </p:nvSpPr>
+        <p:spPr/>
+        <p:txBody>
+          <a:bodyPr/>
+          <a:lstStyle/>
+          <a:p>
+            <a:r>
+              <a:rPr lang="en-US" dirty="0" smtClean="0"/>
+              <a:t>Example Python Code</a:t>
+            </a:r>
+            <a:endParaRPr lang="en-US" dirty="0"/>
+          </a:p>
+        </p:txBody>
+      </p:sp>
+      <p:sp>
+        <p:nvSpPr>
+          <p:cNvPr id="3" name="Content Placeholder 2"/>
+          <p:cNvSpPr>
+            <a:spLocks noGrp="1"/>
+          </p:cNvSpPr>
+          <p:nvPr>
+            <p:ph idx="1"/>
+          </p:nvPr>
+        </p:nvSpPr>
+        <p:spPr/>
+        <p:txBody>
+          <a:bodyPr>
+            <a:normAutofit fontScale="55000" lnSpcReduction="20000"/>
+          </a:bodyPr>
+          <a:lstStyle/>
+          <a:p>
+            <a:pPr marL="0" indent="0">
+              <a:buNone/>
+            </a:pPr>
+            <a:r>
+              <a:rPr lang="en-US" dirty="0">
+                <a:latin typeface="Lucida Console"/>
+                <a:cs typeface="Lucida Console"/>
+              </a:rPr>
+              <a:t>h = httplib2.Http()</a:t>
+            </a:r>
+            <a:r>
+              <a:rPr lang="en-US" dirty="0" smtClean="0">
+                <a:latin typeface="Lucida Console"/>
+                <a:cs typeface="Lucida Console"/>
+              </a:rPr>
+              <a:t>;</a:t>
+            </a:r>
+          </a:p>
+          <a:p>
+            <a:pPr marL="0" indent="0">
+              <a:buNone/>
+            </a:pPr>
+            <a:r>
+              <a:rPr lang="en-US" dirty="0" smtClean="0">
+                <a:latin typeface="Lucida Console"/>
+                <a:cs typeface="Lucida Console"/>
+              </a:rPr>
+              <a:t>       </a:t>
+            </a:r>
+            <a:r>
+              <a:rPr lang="en-US" dirty="0" err="1" smtClean="0">
+                <a:latin typeface="Lucida Console"/>
+                <a:cs typeface="Lucida Console"/>
+              </a:rPr>
+              <a:t>resp</a:t>
+            </a:r>
+            <a:r>
+              <a:rPr lang="en-US" dirty="0">
+                <a:latin typeface="Lucida Console"/>
+                <a:cs typeface="Lucida Console"/>
+              </a:rPr>
+              <a:t>, content = </a:t>
+            </a:r>
+            <a:r>
+              <a:rPr lang="en-US" dirty="0" err="1">
+                <a:latin typeface="Lucida Console"/>
+                <a:cs typeface="Lucida Console"/>
+              </a:rPr>
+              <a:t>h.request</a:t>
+            </a:r>
+            <a:r>
+              <a:rPr lang="en-US" dirty="0">
+                <a:latin typeface="Lucida Console"/>
+                <a:cs typeface="Lucida Console"/>
+              </a:rPr>
+              <a:t>("http://</a:t>
+            </a:r>
+            <a:r>
+              <a:rPr lang="en-US" dirty="0" err="1">
+                <a:latin typeface="Lucida Console"/>
+                <a:cs typeface="Lucida Console"/>
+              </a:rPr>
+              <a:t>api.openweathermap.org</a:t>
+            </a:r>
+            <a:r>
+              <a:rPr lang="en-US" dirty="0">
+                <a:latin typeface="Lucida Console"/>
+                <a:cs typeface="Lucida Console"/>
+              </a:rPr>
+              <a:t>/data/2.5/</a:t>
+            </a:r>
+            <a:r>
+              <a:rPr lang="en-US" dirty="0" err="1">
+                <a:latin typeface="Lucida Console"/>
+                <a:cs typeface="Lucida Console"/>
+              </a:rPr>
+              <a:t>weather?q</a:t>
+            </a:r>
+            <a:r>
+              <a:rPr lang="en-US" dirty="0">
+                <a:latin typeface="Lucida Console"/>
+                <a:cs typeface="Lucida Console"/>
+              </a:rPr>
+              <a:t>="+city)</a:t>
+            </a:r>
+          </a:p>
+          <a:p>
+            <a:pPr marL="0" indent="0">
+              <a:buNone/>
+            </a:pPr>
+            <a:endParaRPr lang="en-US" dirty="0">
+              <a:latin typeface="Lucida Console"/>
+              <a:cs typeface="Lucida Console"/>
+            </a:endParaRPr>
+          </a:p>
+          <a:p>
+            <a:pPr marL="0" indent="0">
+              <a:buNone/>
+            </a:pPr>
+            <a:r>
+              <a:rPr lang="en-US" dirty="0" smtClean="0">
+                <a:latin typeface="Lucida Console"/>
+                <a:cs typeface="Lucida Console"/>
+              </a:rPr>
+              <a:t>try</a:t>
+            </a:r>
+            <a:r>
+              <a:rPr lang="en-US" dirty="0">
+                <a:latin typeface="Lucida Console"/>
+                <a:cs typeface="Lucida Console"/>
+              </a:rPr>
+              <a:t>:</a:t>
+            </a:r>
+          </a:p>
+          <a:p>
+            <a:pPr marL="0" indent="0">
+              <a:buNone/>
+            </a:pPr>
+            <a:r>
+              <a:rPr lang="en-US" dirty="0">
+                <a:latin typeface="Lucida Console"/>
+                <a:cs typeface="Lucida Console"/>
+              </a:rPr>
+              <a:t>       response=</a:t>
+            </a:r>
+            <a:r>
+              <a:rPr lang="en-US" dirty="0" err="1">
+                <a:latin typeface="Lucida Console"/>
+                <a:cs typeface="Lucida Console"/>
+              </a:rPr>
+              <a:t>json.loads</a:t>
+            </a:r>
+            <a:r>
+              <a:rPr lang="en-US" dirty="0">
+                <a:latin typeface="Lucida Console"/>
+                <a:cs typeface="Lucida Console"/>
+              </a:rPr>
+              <a:t>(content)</a:t>
+            </a:r>
+          </a:p>
+          <a:p>
+            <a:pPr marL="0" indent="0">
+              <a:buNone/>
+            </a:pPr>
+            <a:r>
+              <a:rPr lang="en-US" dirty="0">
+                <a:latin typeface="Lucida Console"/>
+                <a:cs typeface="Lucida Console"/>
+              </a:rPr>
+              <a:t>    </a:t>
+            </a:r>
+          </a:p>
+          <a:p>
+            <a:pPr marL="0" indent="0">
+              <a:buNone/>
+            </a:pPr>
+            <a:r>
+              <a:rPr lang="en-US" dirty="0">
+                <a:latin typeface="Lucida Console"/>
+                <a:cs typeface="Lucida Console"/>
+              </a:rPr>
+              <a:t>       main = response['main']</a:t>
+            </a:r>
+          </a:p>
+          <a:p>
+            <a:pPr marL="0" indent="0">
+              <a:buNone/>
+            </a:pPr>
+            <a:r>
+              <a:rPr lang="en-US" dirty="0">
+                <a:latin typeface="Lucida Console"/>
+                <a:cs typeface="Lucida Console"/>
+              </a:rPr>
+              <a:t>       temp = round(main['temp'] - 273.15,2)</a:t>
+            </a:r>
+          </a:p>
+          <a:p>
+            <a:pPr marL="0" indent="0">
+              <a:buNone/>
+            </a:pPr>
+            <a:r>
+              <a:rPr lang="en-US" dirty="0">
+                <a:latin typeface="Lucida Console"/>
+                <a:cs typeface="Lucida Console"/>
+              </a:rPr>
+              <a:t>       humidity = main['humidity']</a:t>
+            </a:r>
+          </a:p>
+          <a:p>
+            <a:pPr marL="0" indent="0">
+              <a:buNone/>
+            </a:pPr>
+            <a:r>
+              <a:rPr lang="en-US" dirty="0">
+                <a:latin typeface="Lucida Console"/>
+                <a:cs typeface="Lucida Console"/>
+              </a:rPr>
+              <a:t>       pressure = main['pressure']</a:t>
+            </a:r>
+          </a:p>
+          <a:p>
+            <a:pPr marL="0" indent="0">
+              <a:buNone/>
+            </a:pPr>
+            <a:r>
+              <a:rPr lang="en-US" dirty="0">
+                <a:latin typeface="Lucida Console"/>
+                <a:cs typeface="Lucida Console"/>
+              </a:rPr>
+              <a:t>       wind = response['wind']</a:t>
+            </a:r>
+          </a:p>
+          <a:p>
+            <a:pPr marL="0" indent="0">
+              <a:buNone/>
+            </a:pPr>
+            <a:r>
+              <a:rPr lang="en-US" dirty="0">
+                <a:latin typeface="Lucida Console"/>
+                <a:cs typeface="Lucida Console"/>
+              </a:rPr>
+              <a:t>       </a:t>
+            </a:r>
+            <a:r>
+              <a:rPr lang="en-US" dirty="0" err="1">
+                <a:latin typeface="Lucida Console"/>
+                <a:cs typeface="Lucida Console"/>
+              </a:rPr>
+              <a:t>windspeed</a:t>
+            </a:r>
+            <a:r>
+              <a:rPr lang="en-US" dirty="0">
+                <a:latin typeface="Lucida Console"/>
+                <a:cs typeface="Lucida Console"/>
+              </a:rPr>
+              <a:t> = wind['speed']</a:t>
+            </a:r>
+          </a:p>
+          <a:p>
+            <a:pPr marL="0" indent="0">
+              <a:buNone/>
+            </a:pPr>
+            <a:r>
+              <a:rPr lang="en-US" dirty="0">
+                <a:latin typeface="Lucida Console"/>
+                <a:cs typeface="Lucida Console"/>
+              </a:rPr>
+              <a:t>       </a:t>
+            </a:r>
+            <a:r>
+              <a:rPr lang="en-US" dirty="0" err="1">
+                <a:latin typeface="Lucida Console"/>
+                <a:cs typeface="Lucida Console"/>
+              </a:rPr>
+              <a:t>winddirection</a:t>
+            </a:r>
+            <a:r>
+              <a:rPr lang="en-US" dirty="0">
+                <a:latin typeface="Lucida Console"/>
+                <a:cs typeface="Lucida Console"/>
+              </a:rPr>
+              <a:t> = wind['</a:t>
+            </a:r>
+            <a:r>
+              <a:rPr lang="en-US" dirty="0" err="1">
+                <a:latin typeface="Lucida Console"/>
+                <a:cs typeface="Lucida Console"/>
+              </a:rPr>
+              <a:t>deg</a:t>
+            </a:r>
+            <a:r>
+              <a:rPr lang="en-US" dirty="0">
+                <a:latin typeface="Lucida Console"/>
+                <a:cs typeface="Lucida Console"/>
+              </a:rPr>
+              <a:t>']</a:t>
+            </a:r>
+          </a:p>
+          <a:p>
+            <a:pPr marL="0" indent="0">
+              <a:buNone/>
+            </a:pPr>
+            <a:r>
+              <a:rPr lang="en-US" dirty="0">
+                <a:latin typeface="Lucida Console"/>
+                <a:cs typeface="Lucida Console"/>
+              </a:rPr>
+              <a:t>       country = response['sys']['country']</a:t>
+            </a:r>
+          </a:p>
+          <a:p>
+            <a:pPr marL="0" indent="0">
+              <a:buNone/>
+            </a:pPr>
+            <a:r>
+              <a:rPr lang="en-US" dirty="0">
+                <a:latin typeface="Lucida Console"/>
+                <a:cs typeface="Lucida Console"/>
+              </a:rPr>
+              <a:t>       city = response['name']</a:t>
+            </a:r>
+          </a:p>
+          <a:p>
+            <a:pPr marL="0" indent="0">
+              <a:buNone/>
+            </a:pPr>
+            <a:endParaRPr lang="en-US" dirty="0">
+              <a:latin typeface="Lucida Console"/>
+              <a:cs typeface="Lucida Console"/>
+            </a:endParaRPr>
+          </a:p>
+        </p:txBody>
+      </p:sp>
+    </p:spTree>
+    <p:extLst>
+      <p:ext uri="{BB962C8B-B14F-4D97-AF65-F5344CB8AC3E}">
+        <p14:creationId xmlns:p14="http://schemas.microsoft.com/office/powerpoint/2010/main" val="149533699"/>
+      </p:ext>
+    </p:extLst>
+  </p:cSld>
+  <p:clrMapOvr>
+    <a:masterClrMapping/>
+  </p:clrMapOvr>
+</p:sld>
+</file>
+
+<file path=ppt/slides/slide14.xml><?xml version="1.0" encoding="utf-8"?>
+<p:sld xmlns:a="http://schemas.openxmlformats.org/drawingml/2006/main" xmlns:r="http://schemas.openxmlformats.org/officeDocument/2006/relationships" xmlns:p="http://schemas.openxmlformats.org/presentationml/2006/main">
+  <p:cSld>
+    <p:spTree>
+      <p:nvGrpSpPr>
+        <p:cNvPr id="1" name=""/>
+        <p:cNvGrpSpPr/>
+        <p:nvPr/>
+      </p:nvGrpSpPr>
+      <p:grpSpPr>
+        <a:xfrm>
+          <a:off x="0" y="0"/>
+          <a:ext cx="0" cy="0"/>
+          <a:chOff x="0" y="0"/>
+          <a:chExt cx="0" cy="0"/>
+        </a:xfrm>
+      </p:grpSpPr>
+      <p:sp>
+        <p:nvSpPr>
+          <p:cNvPr id="2" name="Title 1"/>
+          <p:cNvSpPr>
+            <a:spLocks noGrp="1"/>
+          </p:cNvSpPr>
+          <p:nvPr>
+            <p:ph type="title"/>
+          </p:nvPr>
+        </p:nvSpPr>
+        <p:spPr/>
+        <p:txBody>
+          <a:bodyPr/>
+          <a:lstStyle/>
+          <a:p>
+            <a:r>
+              <a:rPr lang="en-US" dirty="0" smtClean="0"/>
               <a:t>Example CXF Client code</a:t>
             </a:r>
             <a:endParaRPr lang="en-US" dirty="0"/>
@@ -4891,7 +5596,7 @@
 </p:sld>
 </file>
 
-<file path=ppt/slides/slide13.xml><?xml version="1.0" encoding="utf-8"?>
+<file path=ppt/slides/slide15.xml><?xml version="1.0" encoding="utf-8"?>
 <p:sld xmlns:a="http://schemas.openxmlformats.org/drawingml/2006/main" xmlns:r="http://schemas.openxmlformats.org/officeDocument/2006/relationships" xmlns:p="http://schemas.openxmlformats.org/presentationml/2006/main">
   <p:cSld>
     <p:spTree>
@@ -5904,7 +6609,6 @@
               <a:rPr lang="en-US" dirty="0" smtClean="0"/>
               <a:t>Available since CXF 3.0.0</a:t>
             </a:r>
-            <a:endParaRPr lang="en-US" dirty="0" smtClean="0"/>
           </a:p>
         </p:txBody>
       </p:sp>

--- a/presentations/source/03a-Creating-REST-Clients.pptx
+++ b/presentations/source/03a-Creating-REST-Clients.pptx
@@ -211,7 +211,7 @@
             <a:fld id="{7307762F-A706-E543-A832-3C298AA3103F}" type="datetimeFigureOut">
               <a:rPr lang="en-US" smtClean="0"/>
               <a:pPr/>
-              <a:t>11/22/14</a:t>
+              <a:t>08/09/15</a:t>
             </a:fld>
             <a:endParaRPr lang="en-US" dirty="0"/>
           </a:p>
@@ -778,7 +778,7 @@
           <a:p>
             <a:fld id="{875CF0EB-321F-0749-B37A-89BBA859503C}" type="datetimeFigureOut">
               <a:rPr lang="en-US" smtClean="0"/>
-              <a:t>11/22/14</a:t>
+              <a:t>08/09/15</a:t>
             </a:fld>
             <a:endParaRPr lang="en-US"/>
           </a:p>
@@ -982,7 +982,7 @@
           <a:p>
             <a:fld id="{875CF0EB-321F-0749-B37A-89BBA859503C}" type="datetimeFigureOut">
               <a:rPr lang="en-US" smtClean="0"/>
-              <a:t>11/22/14</a:t>
+              <a:t>08/09/15</a:t>
             </a:fld>
             <a:endParaRPr lang="en-US"/>
           </a:p>
@@ -1176,7 +1176,7 @@
           <a:p>
             <a:fld id="{875CF0EB-321F-0749-B37A-89BBA859503C}" type="datetimeFigureOut">
               <a:rPr lang="en-US" smtClean="0"/>
-              <a:t>11/22/14</a:t>
+              <a:t>08/09/15</a:t>
             </a:fld>
             <a:endParaRPr lang="en-US"/>
           </a:p>
@@ -1446,7 +1446,7 @@
           <a:p>
             <a:fld id="{875CF0EB-321F-0749-B37A-89BBA859503C}" type="datetimeFigureOut">
               <a:rPr lang="en-US" smtClean="0"/>
-              <a:t>11/22/14</a:t>
+              <a:t>08/09/15</a:t>
             </a:fld>
             <a:endParaRPr lang="en-US"/>
           </a:p>
@@ -1758,7 +1758,7 @@
           <a:p>
             <a:fld id="{875CF0EB-321F-0749-B37A-89BBA859503C}" type="datetimeFigureOut">
               <a:rPr lang="en-US" smtClean="0"/>
-              <a:t>11/22/14</a:t>
+              <a:t>08/09/15</a:t>
             </a:fld>
             <a:endParaRPr lang="en-US"/>
           </a:p>
@@ -2204,7 +2204,7 @@
           <a:p>
             <a:fld id="{875CF0EB-321F-0749-B37A-89BBA859503C}" type="datetimeFigureOut">
               <a:rPr lang="en-US" smtClean="0"/>
-              <a:t>11/22/14</a:t>
+              <a:t>08/09/15</a:t>
             </a:fld>
             <a:endParaRPr lang="en-US"/>
           </a:p>
@@ -2346,7 +2346,7 @@
           <a:p>
             <a:fld id="{875CF0EB-321F-0749-B37A-89BBA859503C}" type="datetimeFigureOut">
               <a:rPr lang="en-US" smtClean="0"/>
-              <a:t>11/22/14</a:t>
+              <a:t>08/09/15</a:t>
             </a:fld>
             <a:endParaRPr lang="en-US"/>
           </a:p>
@@ -2465,7 +2465,7 @@
           <a:p>
             <a:fld id="{875CF0EB-321F-0749-B37A-89BBA859503C}" type="datetimeFigureOut">
               <a:rPr lang="en-US" smtClean="0"/>
-              <a:t>11/22/14</a:t>
+              <a:t>08/09/15</a:t>
             </a:fld>
             <a:endParaRPr lang="en-US"/>
           </a:p>
@@ -2766,7 +2766,7 @@
           <a:p>
             <a:fld id="{875CF0EB-321F-0749-B37A-89BBA859503C}" type="datetimeFigureOut">
               <a:rPr lang="en-US" smtClean="0"/>
-              <a:t>11/22/14</a:t>
+              <a:t>08/09/15</a:t>
             </a:fld>
             <a:endParaRPr lang="en-US"/>
           </a:p>
@@ -3043,7 +3043,7 @@
           <a:p>
             <a:fld id="{875CF0EB-321F-0749-B37A-89BBA859503C}" type="datetimeFigureOut">
               <a:rPr lang="en-US" smtClean="0"/>
-              <a:t>11/22/14</a:t>
+              <a:t>08/09/15</a:t>
             </a:fld>
             <a:endParaRPr lang="en-US"/>
           </a:p>
@@ -3885,18 +3885,11 @@
           </a:p>
           <a:p>
             <a:r>
-              <a:rPr lang="en-US" dirty="0">
+              <a:rPr lang="en-US" smtClean="0">
                 <a:ea typeface="ヒラギノ角ゴ ProN W3" charset="0"/>
                 <a:cs typeface="ヒラギノ角ゴ ProN W3" charset="0"/>
               </a:rPr>
-              <a:t>Dec </a:t>
-            </a:r>
-            <a:r>
-              <a:rPr lang="en-US" dirty="0" smtClean="0">
-                <a:ea typeface="ヒラギノ角ゴ ProN W3" charset="0"/>
-                <a:cs typeface="ヒラギノ角ゴ ProN W3" charset="0"/>
-              </a:rPr>
-              <a:t>2014</a:t>
+              <a:t>Sep 2015</a:t>
             </a:r>
             <a:endParaRPr lang="en-US" dirty="0">
               <a:ea typeface="ヒラギノ角ゴ ProN W3" charset="0"/>
